--- a/2022-04-08_Rgroup.pptx
+++ b/2022-04-08_Rgroup.pptx
@@ -109,6 +109,11 @@
       </a:defRPr>
     </a:lvl9pPr>
   </p:defaultTextStyle>
+  <p:extLst>
+    <p:ext uri="{EFAFB233-063F-42B5-8137-9DF3F51BA10A}">
+      <p15:sldGuideLst xmlns:p15="http://schemas.microsoft.com/office/powerpoint/2012/main"/>
+    </p:ext>
+  </p:extLst>
 </p:presentation>
 </file>
 
@@ -259,7 +264,7 @@
           <a:p>
             <a:fld id="{AFFB514D-C713-234E-82FC-89FF2CC6FC89}" type="datetimeFigureOut">
               <a:rPr lang="en-US" smtClean="0"/>
-              <a:t>4/7/22</a:t>
+              <a:t>4/8/22</a:t>
             </a:fld>
             <a:endParaRPr lang="en-US"/>
           </a:p>
@@ -457,7 +462,7 @@
           <a:p>
             <a:fld id="{AFFB514D-C713-234E-82FC-89FF2CC6FC89}" type="datetimeFigureOut">
               <a:rPr lang="en-US" smtClean="0"/>
-              <a:t>4/7/22</a:t>
+              <a:t>4/8/22</a:t>
             </a:fld>
             <a:endParaRPr lang="en-US"/>
           </a:p>
@@ -665,7 +670,7 @@
           <a:p>
             <a:fld id="{AFFB514D-C713-234E-82FC-89FF2CC6FC89}" type="datetimeFigureOut">
               <a:rPr lang="en-US" smtClean="0"/>
-              <a:t>4/7/22</a:t>
+              <a:t>4/8/22</a:t>
             </a:fld>
             <a:endParaRPr lang="en-US"/>
           </a:p>
@@ -863,7 +868,7 @@
           <a:p>
             <a:fld id="{AFFB514D-C713-234E-82FC-89FF2CC6FC89}" type="datetimeFigureOut">
               <a:rPr lang="en-US" smtClean="0"/>
-              <a:t>4/7/22</a:t>
+              <a:t>4/8/22</a:t>
             </a:fld>
             <a:endParaRPr lang="en-US"/>
           </a:p>
@@ -1138,7 +1143,7 @@
           <a:p>
             <a:fld id="{AFFB514D-C713-234E-82FC-89FF2CC6FC89}" type="datetimeFigureOut">
               <a:rPr lang="en-US" smtClean="0"/>
-              <a:t>4/7/22</a:t>
+              <a:t>4/8/22</a:t>
             </a:fld>
             <a:endParaRPr lang="en-US"/>
           </a:p>
@@ -1403,7 +1408,7 @@
           <a:p>
             <a:fld id="{AFFB514D-C713-234E-82FC-89FF2CC6FC89}" type="datetimeFigureOut">
               <a:rPr lang="en-US" smtClean="0"/>
-              <a:t>4/7/22</a:t>
+              <a:t>4/8/22</a:t>
             </a:fld>
             <a:endParaRPr lang="en-US"/>
           </a:p>
@@ -1815,7 +1820,7 @@
           <a:p>
             <a:fld id="{AFFB514D-C713-234E-82FC-89FF2CC6FC89}" type="datetimeFigureOut">
               <a:rPr lang="en-US" smtClean="0"/>
-              <a:t>4/7/22</a:t>
+              <a:t>4/8/22</a:t>
             </a:fld>
             <a:endParaRPr lang="en-US"/>
           </a:p>
@@ -1956,7 +1961,7 @@
           <a:p>
             <a:fld id="{AFFB514D-C713-234E-82FC-89FF2CC6FC89}" type="datetimeFigureOut">
               <a:rPr lang="en-US" smtClean="0"/>
-              <a:t>4/7/22</a:t>
+              <a:t>4/8/22</a:t>
             </a:fld>
             <a:endParaRPr lang="en-US"/>
           </a:p>
@@ -2069,7 +2074,7 @@
           <a:p>
             <a:fld id="{AFFB514D-C713-234E-82FC-89FF2CC6FC89}" type="datetimeFigureOut">
               <a:rPr lang="en-US" smtClean="0"/>
-              <a:t>4/7/22</a:t>
+              <a:t>4/8/22</a:t>
             </a:fld>
             <a:endParaRPr lang="en-US"/>
           </a:p>
@@ -2380,7 +2385,7 @@
           <a:p>
             <a:fld id="{AFFB514D-C713-234E-82FC-89FF2CC6FC89}" type="datetimeFigureOut">
               <a:rPr lang="en-US" smtClean="0"/>
-              <a:t>4/7/22</a:t>
+              <a:t>4/8/22</a:t>
             </a:fld>
             <a:endParaRPr lang="en-US"/>
           </a:p>
@@ -2668,7 +2673,7 @@
           <a:p>
             <a:fld id="{AFFB514D-C713-234E-82FC-89FF2CC6FC89}" type="datetimeFigureOut">
               <a:rPr lang="en-US" smtClean="0"/>
-              <a:t>4/7/22</a:t>
+              <a:t>4/8/22</a:t>
             </a:fld>
             <a:endParaRPr lang="en-US"/>
           </a:p>
@@ -2909,7 +2914,7 @@
           <a:p>
             <a:fld id="{AFFB514D-C713-234E-82FC-89FF2CC6FC89}" type="datetimeFigureOut">
               <a:rPr lang="en-US" smtClean="0"/>
-              <a:t>4/7/22</a:t>
+              <a:t>4/8/22</a:t>
             </a:fld>
             <a:endParaRPr lang="en-US"/>
           </a:p>
@@ -4000,6 +4005,190 @@
           </a:prstGeom>
         </p:spPr>
       </p:pic>
+      <p:sp>
+        <p:nvSpPr>
+          <p:cNvPr id="4" name="TextBox 3">
+            <a:extLst>
+              <a:ext uri="{FF2B5EF4-FFF2-40B4-BE49-F238E27FC236}">
+                <a16:creationId xmlns:a16="http://schemas.microsoft.com/office/drawing/2014/main" id="{EFD0F65C-139F-FF41-9F9E-55D01DB79681}"/>
+              </a:ext>
+            </a:extLst>
+          </p:cNvPr>
+          <p:cNvSpPr txBox="1"/>
+          <p:nvPr/>
+        </p:nvSpPr>
+        <p:spPr>
+          <a:xfrm>
+            <a:off x="0" y="565288"/>
+            <a:ext cx="777777" cy="369332"/>
+          </a:xfrm>
+          <a:prstGeom prst="rect">
+            <a:avLst/>
+          </a:prstGeom>
+          <a:solidFill>
+            <a:schemeClr val="bg1"/>
+          </a:solidFill>
+          <a:ln>
+            <a:solidFill>
+              <a:schemeClr val="accent1"/>
+            </a:solidFill>
+          </a:ln>
+        </p:spPr>
+        <p:txBody>
+          <a:bodyPr wrap="none" rtlCol="0">
+            <a:spAutoFit/>
+          </a:bodyPr>
+          <a:lstStyle/>
+          <a:p>
+            <a:r>
+              <a:rPr lang="en-US" b="1" dirty="0">
+                <a:solidFill>
+                  <a:schemeClr val="accent1"/>
+                </a:solidFill>
+              </a:rPr>
+              <a:t>Genes</a:t>
+            </a:r>
+          </a:p>
+        </p:txBody>
+      </p:sp>
+      <p:sp>
+        <p:nvSpPr>
+          <p:cNvPr id="2" name="Down Arrow 1">
+            <a:extLst>
+              <a:ext uri="{FF2B5EF4-FFF2-40B4-BE49-F238E27FC236}">
+                <a16:creationId xmlns:a16="http://schemas.microsoft.com/office/drawing/2014/main" id="{863E32FC-59CE-124C-94B5-A7E474931903}"/>
+              </a:ext>
+            </a:extLst>
+          </p:cNvPr>
+          <p:cNvSpPr/>
+          <p:nvPr/>
+        </p:nvSpPr>
+        <p:spPr>
+          <a:xfrm>
+            <a:off x="241743" y="942860"/>
+            <a:ext cx="294289" cy="504496"/>
+          </a:xfrm>
+          <a:prstGeom prst="downArrow">
+            <a:avLst/>
+          </a:prstGeom>
+        </p:spPr>
+        <p:style>
+          <a:lnRef idx="2">
+            <a:schemeClr val="accent1">
+              <a:shade val="50000"/>
+            </a:schemeClr>
+          </a:lnRef>
+          <a:fillRef idx="1">
+            <a:schemeClr val="accent1"/>
+          </a:fillRef>
+          <a:effectRef idx="0">
+            <a:schemeClr val="accent1"/>
+          </a:effectRef>
+          <a:fontRef idx="minor">
+            <a:schemeClr val="lt1"/>
+          </a:fontRef>
+        </p:style>
+        <p:txBody>
+          <a:bodyPr rtlCol="0" anchor="ctr"/>
+          <a:lstStyle/>
+          <a:p>
+            <a:pPr algn="ctr"/>
+            <a:endParaRPr lang="en-US"/>
+          </a:p>
+        </p:txBody>
+      </p:sp>
+      <p:sp>
+        <p:nvSpPr>
+          <p:cNvPr id="5" name="TextBox 4">
+            <a:extLst>
+              <a:ext uri="{FF2B5EF4-FFF2-40B4-BE49-F238E27FC236}">
+                <a16:creationId xmlns:a16="http://schemas.microsoft.com/office/drawing/2014/main" id="{6C4BE03D-5187-7745-A91A-A549F36426E0}"/>
+              </a:ext>
+            </a:extLst>
+          </p:cNvPr>
+          <p:cNvSpPr txBox="1"/>
+          <p:nvPr/>
+        </p:nvSpPr>
+        <p:spPr>
+          <a:xfrm>
+            <a:off x="536032" y="1132025"/>
+            <a:ext cx="981359" cy="369332"/>
+          </a:xfrm>
+          <a:prstGeom prst="rect">
+            <a:avLst/>
+          </a:prstGeom>
+          <a:solidFill>
+            <a:schemeClr val="bg1"/>
+          </a:solidFill>
+          <a:ln>
+            <a:solidFill>
+              <a:schemeClr val="accent1"/>
+            </a:solidFill>
+          </a:ln>
+        </p:spPr>
+        <p:txBody>
+          <a:bodyPr wrap="none" rtlCol="0">
+            <a:spAutoFit/>
+          </a:bodyPr>
+          <a:lstStyle/>
+          <a:p>
+            <a:r>
+              <a:rPr lang="en-US" b="1" dirty="0">
+                <a:solidFill>
+                  <a:schemeClr val="accent1"/>
+                </a:solidFill>
+              </a:rPr>
+              <a:t>Samples</a:t>
+            </a:r>
+          </a:p>
+        </p:txBody>
+      </p:sp>
+      <p:sp>
+        <p:nvSpPr>
+          <p:cNvPr id="6" name="Right Arrow 5">
+            <a:extLst>
+              <a:ext uri="{FF2B5EF4-FFF2-40B4-BE49-F238E27FC236}">
+                <a16:creationId xmlns:a16="http://schemas.microsoft.com/office/drawing/2014/main" id="{E0FFC462-FD06-4C4A-A246-4D8D6917AE90}"/>
+              </a:ext>
+            </a:extLst>
+          </p:cNvPr>
+          <p:cNvSpPr/>
+          <p:nvPr/>
+        </p:nvSpPr>
+        <p:spPr>
+          <a:xfrm>
+            <a:off x="1517391" y="1163566"/>
+            <a:ext cx="921009" cy="306249"/>
+          </a:xfrm>
+          <a:prstGeom prst="rightArrow">
+            <a:avLst/>
+          </a:prstGeom>
+        </p:spPr>
+        <p:style>
+          <a:lnRef idx="2">
+            <a:schemeClr val="accent1">
+              <a:shade val="50000"/>
+            </a:schemeClr>
+          </a:lnRef>
+          <a:fillRef idx="1">
+            <a:schemeClr val="accent1"/>
+          </a:fillRef>
+          <a:effectRef idx="0">
+            <a:schemeClr val="accent1"/>
+          </a:effectRef>
+          <a:fontRef idx="minor">
+            <a:schemeClr val="lt1"/>
+          </a:fontRef>
+        </p:style>
+        <p:txBody>
+          <a:bodyPr rtlCol="0" anchor="ctr"/>
+          <a:lstStyle/>
+          <a:p>
+            <a:pPr algn="ctr"/>
+            <a:endParaRPr lang="en-US"/>
+          </a:p>
+        </p:txBody>
+      </p:sp>
     </p:spTree>
     <p:extLst>
       <p:ext uri="{BB962C8B-B14F-4D97-AF65-F5344CB8AC3E}">
